--- a/docs/Easy2Use_CheatSheet.pptx
+++ b/docs/Easy2Use_CheatSheet.pptx
@@ -269,7 +269,7 @@
           <a:p>
             <a:fld id="{D7B5AA68-B56F-4E4B-BC4E-E76158321426}" type="datetimeFigureOut">
               <a:rPr lang="sv-SE" smtClean="0"/>
-              <a:t>2019-03-25</a:t>
+              <a:t>2019-06-17</a:t>
             </a:fld>
             <a:endParaRPr lang="sv-SE"/>
           </a:p>
@@ -469,7 +469,7 @@
           <a:p>
             <a:fld id="{D7B5AA68-B56F-4E4B-BC4E-E76158321426}" type="datetimeFigureOut">
               <a:rPr lang="sv-SE" smtClean="0"/>
-              <a:t>2019-03-25</a:t>
+              <a:t>2019-06-17</a:t>
             </a:fld>
             <a:endParaRPr lang="sv-SE"/>
           </a:p>
@@ -679,7 +679,7 @@
           <a:p>
             <a:fld id="{D7B5AA68-B56F-4E4B-BC4E-E76158321426}" type="datetimeFigureOut">
               <a:rPr lang="sv-SE" smtClean="0"/>
-              <a:t>2019-03-25</a:t>
+              <a:t>2019-06-17</a:t>
             </a:fld>
             <a:endParaRPr lang="sv-SE"/>
           </a:p>
@@ -879,7 +879,7 @@
           <a:p>
             <a:fld id="{D7B5AA68-B56F-4E4B-BC4E-E76158321426}" type="datetimeFigureOut">
               <a:rPr lang="sv-SE" smtClean="0"/>
-              <a:t>2019-03-25</a:t>
+              <a:t>2019-06-17</a:t>
             </a:fld>
             <a:endParaRPr lang="sv-SE"/>
           </a:p>
@@ -1155,7 +1155,7 @@
           <a:p>
             <a:fld id="{D7B5AA68-B56F-4E4B-BC4E-E76158321426}" type="datetimeFigureOut">
               <a:rPr lang="sv-SE" smtClean="0"/>
-              <a:t>2019-03-25</a:t>
+              <a:t>2019-06-17</a:t>
             </a:fld>
             <a:endParaRPr lang="sv-SE"/>
           </a:p>
@@ -1423,7 +1423,7 @@
           <a:p>
             <a:fld id="{D7B5AA68-B56F-4E4B-BC4E-E76158321426}" type="datetimeFigureOut">
               <a:rPr lang="sv-SE" smtClean="0"/>
-              <a:t>2019-03-25</a:t>
+              <a:t>2019-06-17</a:t>
             </a:fld>
             <a:endParaRPr lang="sv-SE"/>
           </a:p>
@@ -1838,7 +1838,7 @@
           <a:p>
             <a:fld id="{D7B5AA68-B56F-4E4B-BC4E-E76158321426}" type="datetimeFigureOut">
               <a:rPr lang="sv-SE" smtClean="0"/>
-              <a:t>2019-03-25</a:t>
+              <a:t>2019-06-17</a:t>
             </a:fld>
             <a:endParaRPr lang="sv-SE"/>
           </a:p>
@@ -1980,7 +1980,7 @@
           <a:p>
             <a:fld id="{D7B5AA68-B56F-4E4B-BC4E-E76158321426}" type="datetimeFigureOut">
               <a:rPr lang="sv-SE" smtClean="0"/>
-              <a:t>2019-03-25</a:t>
+              <a:t>2019-06-17</a:t>
             </a:fld>
             <a:endParaRPr lang="sv-SE"/>
           </a:p>
@@ -2093,7 +2093,7 @@
           <a:p>
             <a:fld id="{D7B5AA68-B56F-4E4B-BC4E-E76158321426}" type="datetimeFigureOut">
               <a:rPr lang="sv-SE" smtClean="0"/>
-              <a:t>2019-03-25</a:t>
+              <a:t>2019-06-17</a:t>
             </a:fld>
             <a:endParaRPr lang="sv-SE"/>
           </a:p>
@@ -2406,7 +2406,7 @@
           <a:p>
             <a:fld id="{D7B5AA68-B56F-4E4B-BC4E-E76158321426}" type="datetimeFigureOut">
               <a:rPr lang="sv-SE" smtClean="0"/>
-              <a:t>2019-03-25</a:t>
+              <a:t>2019-06-17</a:t>
             </a:fld>
             <a:endParaRPr lang="sv-SE"/>
           </a:p>
@@ -2695,7 +2695,7 @@
           <a:p>
             <a:fld id="{D7B5AA68-B56F-4E4B-BC4E-E76158321426}" type="datetimeFigureOut">
               <a:rPr lang="sv-SE" smtClean="0"/>
-              <a:t>2019-03-25</a:t>
+              <a:t>2019-06-17</a:t>
             </a:fld>
             <a:endParaRPr lang="sv-SE"/>
           </a:p>
@@ -2938,7 +2938,7 @@
           <a:p>
             <a:fld id="{D7B5AA68-B56F-4E4B-BC4E-E76158321426}" type="datetimeFigureOut">
               <a:rPr lang="sv-SE" smtClean="0"/>
-              <a:t>2019-03-25</a:t>
+              <a:t>2019-06-17</a:t>
             </a:fld>
             <a:endParaRPr lang="sv-SE"/>
           </a:p>
@@ -4537,12 +4537,12 @@
           <a:lstStyle/>
           <a:p>
             <a:r>
-              <a:rPr lang="sv-SE" sz="800" b="1" dirty="0">
+              <a:rPr lang="sv-SE" sz="800" b="1">
                 <a:solidFill>
                   <a:schemeClr val="bg1"/>
                 </a:solidFill>
               </a:rPr>
-              <a:t>V1.4.0</a:t>
+              <a:t>V1.5.0</a:t>
             </a:r>
             <a:endParaRPr lang="sv-SE" sz="800" dirty="0">
               <a:solidFill>
@@ -4566,8 +4566,8 @@
         </p:nvSpPr>
         <p:spPr>
           <a:xfrm>
-            <a:off x="3697213" y="6381132"/>
-            <a:ext cx="5176417" cy="461665"/>
+            <a:off x="4928422" y="6489173"/>
+            <a:ext cx="2820003" cy="215444"/>
           </a:xfrm>
           <a:prstGeom prst="rect">
             <a:avLst/>
@@ -4589,10 +4589,8 @@
                   </a:schemeClr>
                 </a:solidFill>
               </a:rPr>
-              <a:t>Links:</a:t>
-            </a:r>
-          </a:p>
-          <a:p>
+              <a:t>GitHub: </a:t>
+            </a:r>
             <a:r>
               <a:rPr lang="sv-SE" sz="800" b="1" dirty="0">
                 <a:solidFill>
@@ -4601,23 +4599,17 @@
                     <a:lumOff val="40000"/>
                   </a:schemeClr>
                 </a:solidFill>
+                <a:hlinkClick r:id="rId3">
+                  <a:extLst>
+                    <a:ext uri="{A12FA001-AC4F-418D-AE19-62706E023703}">
+                      <ahyp:hlinkClr xmlns:ahyp="http://schemas.microsoft.com/office/drawing/2018/hyperlinkcolor" val="tx"/>
+                    </a:ext>
+                  </a:extLst>
+                </a:hlinkClick>
               </a:rPr>
-              <a:t>Confluence: https://wcdma-confluence.rnd.ki.sw.ericsson.se/pages/viewpage.action?spaceKey=E2U&amp;title=Easy2Use</a:t>
-            </a:r>
-          </a:p>
-          <a:p>
-            <a:r>
-              <a:rPr lang="sv-SE" sz="800" b="1" dirty="0">
-                <a:solidFill>
-                  <a:schemeClr val="tx2">
-                    <a:lumMod val="60000"/>
-                    <a:lumOff val="40000"/>
-                  </a:schemeClr>
-                </a:solidFill>
-              </a:rPr>
-              <a:t>Yammer: https://www.yammer.com/ericsson.com/#/threads/inGroup?type=in_group&amp;feedId=17009114&amp;view=all</a:t>
-            </a:r>
-            <a:endParaRPr lang="sv-SE" sz="800" dirty="0">
+              <a:t>https://github.com/eiffel-community/eiffel-easy2use</a:t>
+            </a:r>
+            <a:endParaRPr lang="sv-SE" sz="800" b="1" dirty="0">
               <a:solidFill>
                 <a:schemeClr val="tx2">
                   <a:lumMod val="60000"/>
